--- a/AKEMICHI.pptx
+++ b/AKEMICHI.pptx
@@ -11,6 +11,7 @@
     <p:sldId id="261" r:id="rId5"/>
     <p:sldId id="264" r:id="rId6"/>
     <p:sldId id="265" r:id="rId7"/>
+    <p:sldId id="266" r:id="rId8"/>
   </p:sldIdLst>
   <p:sldSz cx="12192000" cy="6858000"/>
   <p:notesSz cx="6858000" cy="9144000"/>
@@ -5898,40 +5899,205 @@
           </a:p>
         </p:txBody>
       </p:sp>
-      <p:pic>
-        <p:nvPicPr>
-          <p:cNvPr id="3" name="Image 2">
+      <p:sp>
+        <p:nvSpPr>
+          <p:cNvPr id="4" name="ZoneTexte 3">
             <a:extLst>
               <a:ext uri="{FF2B5EF4-FFF2-40B4-BE49-F238E27FC236}">
-                <a16:creationId xmlns:a16="http://schemas.microsoft.com/office/drawing/2014/main" id="{887662BE-1BC4-495C-9EFE-7B4D0BBD6129}"/>
+                <a16:creationId xmlns:a16="http://schemas.microsoft.com/office/drawing/2014/main" id="{F549F657-5BB0-44C8-A727-0ECBED47B10D}"/>
               </a:ext>
             </a:extLst>
           </p:cNvPr>
-          <p:cNvPicPr>
-            <a:picLocks noChangeAspect="1"/>
-          </p:cNvPicPr>
+          <p:cNvSpPr txBox="1"/>
           <p:nvPr/>
-        </p:nvPicPr>
-        <p:blipFill>
-          <a:blip r:embed="rId2"/>
-          <a:stretch>
-            <a:fillRect/>
-          </a:stretch>
-        </p:blipFill>
+        </p:nvSpPr>
         <p:spPr>
           <a:xfrm>
-            <a:off x="847540" y="2228431"/>
-            <a:ext cx="8943607" cy="2139881"/>
+            <a:off x="1140903" y="2298583"/>
+            <a:ext cx="3542958" cy="1477328"/>
           </a:xfrm>
           <a:prstGeom prst="rect">
             <a:avLst/>
           </a:prstGeom>
+          <a:noFill/>
         </p:spPr>
-      </p:pic>
+        <p:txBody>
+          <a:bodyPr wrap="none" rtlCol="0">
+            <a:spAutoFit/>
+          </a:bodyPr>
+          <a:lstStyle/>
+          <a:p>
+            <a:r>
+              <a:rPr lang="fr-FR" dirty="0">
+                <a:solidFill>
+                  <a:schemeClr val="bg1"/>
+                </a:solidFill>
+              </a:rPr>
+              <a:t>Pour répondre à la demande:</a:t>
+            </a:r>
+          </a:p>
+          <a:p>
+            <a:endParaRPr lang="fr-FR" dirty="0">
+              <a:solidFill>
+                <a:schemeClr val="bg1"/>
+              </a:solidFill>
+            </a:endParaRPr>
+          </a:p>
+          <a:p>
+            <a:r>
+              <a:rPr lang="fr-FR" dirty="0">
+                <a:solidFill>
+                  <a:schemeClr val="bg1"/>
+                </a:solidFill>
+              </a:rPr>
+              <a:t>-Besoins Ressources Humaines</a:t>
+            </a:r>
+          </a:p>
+          <a:p>
+            <a:r>
+              <a:rPr lang="fr-FR" dirty="0">
+                <a:solidFill>
+                  <a:schemeClr val="bg1"/>
+                </a:solidFill>
+              </a:rPr>
+              <a:t>-Besoins Logiciels</a:t>
+            </a:r>
+          </a:p>
+          <a:p>
+            <a:r>
+              <a:rPr lang="fr-FR" dirty="0">
+                <a:solidFill>
+                  <a:schemeClr val="bg1"/>
+                </a:solidFill>
+              </a:rPr>
+              <a:t>-Besoins Matériels </a:t>
+            </a:r>
+          </a:p>
+        </p:txBody>
+      </p:sp>
     </p:spTree>
     <p:extLst>
       <p:ext uri="{BB962C8B-B14F-4D97-AF65-F5344CB8AC3E}">
         <p14:creationId xmlns:p14="http://schemas.microsoft.com/office/powerpoint/2010/main" val="3641653987"/>
+      </p:ext>
+    </p:extLst>
+  </p:cSld>
+  <p:clrMapOvr>
+    <a:masterClrMapping/>
+  </p:clrMapOvr>
+</p:sld>
+</file>
+
+<file path=ppt/slides/slide7.xml><?xml version="1.0" encoding="utf-8"?>
+<p:sld xmlns:a="http://schemas.openxmlformats.org/drawingml/2006/main" xmlns:r="http://schemas.openxmlformats.org/officeDocument/2006/relationships" xmlns:p="http://schemas.openxmlformats.org/presentationml/2006/main">
+  <p:cSld>
+    <p:spTree>
+      <p:nvGrpSpPr>
+        <p:cNvPr id="1" name=""/>
+        <p:cNvGrpSpPr/>
+        <p:nvPr/>
+      </p:nvGrpSpPr>
+      <p:grpSpPr>
+        <a:xfrm>
+          <a:off x="0" y="0"/>
+          <a:ext cx="0" cy="0"/>
+          <a:chOff x="0" y="0"/>
+          <a:chExt cx="0" cy="0"/>
+        </a:xfrm>
+      </p:grpSpPr>
+      <p:sp>
+        <p:nvSpPr>
+          <p:cNvPr id="2" name="Titre 1">
+            <a:extLst>
+              <a:ext uri="{FF2B5EF4-FFF2-40B4-BE49-F238E27FC236}">
+                <a16:creationId xmlns:a16="http://schemas.microsoft.com/office/drawing/2014/main" id="{DD61820C-1135-4C95-A0AB-A5CA594DD52A}"/>
+              </a:ext>
+            </a:extLst>
+          </p:cNvPr>
+          <p:cNvSpPr>
+            <a:spLocks noGrp="1"/>
+          </p:cNvSpPr>
+          <p:nvPr>
+            <p:ph type="title"/>
+          </p:nvPr>
+        </p:nvSpPr>
+        <p:spPr>
+          <a:xfrm>
+            <a:off x="642267" y="318860"/>
+            <a:ext cx="8534400" cy="1507067"/>
+          </a:xfrm>
+        </p:spPr>
+        <p:txBody>
+          <a:bodyPr/>
+          <a:lstStyle/>
+          <a:p>
+            <a:r>
+              <a:rPr lang="fr-FR" dirty="0"/>
+              <a:t>Pourquoi?</a:t>
+            </a:r>
+          </a:p>
+        </p:txBody>
+      </p:sp>
+      <p:sp>
+        <p:nvSpPr>
+          <p:cNvPr id="4" name="ZoneTexte 3">
+            <a:extLst>
+              <a:ext uri="{FF2B5EF4-FFF2-40B4-BE49-F238E27FC236}">
+                <a16:creationId xmlns:a16="http://schemas.microsoft.com/office/drawing/2014/main" id="{F549F657-5BB0-44C8-A727-0ECBED47B10D}"/>
+              </a:ext>
+            </a:extLst>
+          </p:cNvPr>
+          <p:cNvSpPr txBox="1"/>
+          <p:nvPr/>
+        </p:nvSpPr>
+        <p:spPr>
+          <a:xfrm>
+            <a:off x="1140903" y="2298583"/>
+            <a:ext cx="5524269" cy="923330"/>
+          </a:xfrm>
+          <a:prstGeom prst="rect">
+            <a:avLst/>
+          </a:prstGeom>
+          <a:noFill/>
+        </p:spPr>
+        <p:txBody>
+          <a:bodyPr wrap="none" rtlCol="0">
+            <a:spAutoFit/>
+          </a:bodyPr>
+          <a:lstStyle/>
+          <a:p>
+            <a:r>
+              <a:rPr lang="fr-FR" dirty="0">
+                <a:solidFill>
+                  <a:schemeClr val="bg1"/>
+                </a:solidFill>
+              </a:rPr>
+              <a:t>Exercer notre activité</a:t>
+            </a:r>
+          </a:p>
+          <a:p>
+            <a:endParaRPr lang="fr-FR" dirty="0">
+              <a:solidFill>
+                <a:schemeClr val="bg1"/>
+              </a:solidFill>
+            </a:endParaRPr>
+          </a:p>
+          <a:p>
+            <a:r>
+              <a:rPr lang="fr-FR" dirty="0">
+                <a:solidFill>
+                  <a:schemeClr val="bg1"/>
+                </a:solidFill>
+              </a:rPr>
+              <a:t>On a les qualités pour mener à termes ce projet</a:t>
+            </a:r>
+          </a:p>
+        </p:txBody>
+      </p:sp>
+    </p:spTree>
+    <p:extLst>
+      <p:ext uri="{BB962C8B-B14F-4D97-AF65-F5344CB8AC3E}">
+        <p14:creationId xmlns:p14="http://schemas.microsoft.com/office/powerpoint/2010/main" val="4262215753"/>
       </p:ext>
     </p:extLst>
   </p:cSld>
